--- a/0PackingInformationEntry.pptx
+++ b/0PackingInformationEntry.pptx
@@ -1646,11 +1646,7 @@
         <a:p>
           <a:r>
             <a:rPr lang="en-US" altLang="zh-CN" dirty="0" smtClean="0"/>
-            <a:t>Packing </a:t>
-          </a:r>
-          <a:r>
-            <a:rPr lang="en-US" altLang="zh-CN" dirty="0" smtClean="0"/>
-            <a:t>List Maintain</a:t>
+            <a:t>Packing List Maintain</a:t>
           </a:r>
           <a:endParaRPr lang="zh-CN" altLang="en-US" dirty="0"/>
         </a:p>
@@ -1687,11 +1683,7 @@
         <a:p>
           <a:r>
             <a:rPr lang="en-US" altLang="en-US" dirty="0" smtClean="0"/>
-            <a:t>Carton </a:t>
-          </a:r>
-          <a:r>
-            <a:rPr lang="en-US" altLang="en-US" dirty="0" smtClean="0"/>
-            <a:t>ID Maintain</a:t>
+            <a:t>Carton ID Maintain</a:t>
           </a:r>
           <a:endParaRPr lang="zh-CN" altLang="en-US" dirty="0"/>
         </a:p>
@@ -4891,7 +4883,7 @@
             <a:fld id="{4D2C590C-463E-4F0C-9134-D7C5128A8EB4}" type="datetimeFigureOut">
               <a:rPr lang="zh-TW" altLang="en-US" smtClean="0"/>
               <a:pPr/>
-              <a:t>2014/9/11</a:t>
+              <a:t>2014/9/15</a:t>
             </a:fld>
             <a:endParaRPr lang="zh-TW" altLang="en-US"/>
           </a:p>
@@ -4987,7 +4979,7 @@
             <a:fld id="{A8BD75ED-5E07-4F67-8C98-12BA1B9B61CE}" type="datetimeFigureOut">
               <a:rPr lang="zh-CN" altLang="en-US" smtClean="0"/>
               <a:pPr/>
-              <a:t>09/11/2014</a:t>
+              <a:t>09/15/2014</a:t>
             </a:fld>
             <a:endParaRPr lang="zh-CN" altLang="en-US" dirty="0"/>
           </a:p>
@@ -5322,7 +5314,7 @@
             <a:fld id="{A8B38BC6-A07A-4D04-A852-6C2ACEAE2FB5}" type="datetime1">
               <a:rPr lang="zh-CN" altLang="en-US" smtClean="0"/>
               <a:pPr/>
-              <a:t>09/11/2014</a:t>
+              <a:t>09/15/2014</a:t>
             </a:fld>
             <a:endParaRPr lang="zh-CN" altLang="en-US" dirty="0"/>
           </a:p>
@@ -5542,7 +5534,7 @@
             <a:fld id="{35A7AC81-696A-4C2A-B918-515844A88C4A}" type="datetime1">
               <a:rPr lang="zh-TW" altLang="en-US" smtClean="0"/>
               <a:pPr/>
-              <a:t>2014/9/11</a:t>
+              <a:t>2014/9/15</a:t>
             </a:fld>
             <a:endParaRPr lang="zh-CN" altLang="en-US"/>
           </a:p>
@@ -5709,7 +5701,7 @@
             <a:fld id="{3A66168E-DF05-4F16-9321-82EF6F7D3409}" type="datetime1">
               <a:rPr lang="zh-TW" altLang="en-US" smtClean="0"/>
               <a:pPr/>
-              <a:t>2014/9/11</a:t>
+              <a:t>2014/9/15</a:t>
             </a:fld>
             <a:endParaRPr lang="zh-CN" altLang="en-US"/>
           </a:p>
@@ -5886,7 +5878,7 @@
             <a:fld id="{292BB50C-E58E-4536-ABBE-FDAF06E55820}" type="datetime1">
               <a:rPr lang="zh-TW" altLang="en-US" smtClean="0"/>
               <a:pPr/>
-              <a:t>2014/9/11</a:t>
+              <a:t>2014/9/15</a:t>
             </a:fld>
             <a:endParaRPr lang="zh-CN" altLang="en-US"/>
           </a:p>
@@ -6030,7 +6022,7 @@
             <a:fld id="{BCDD0958-C144-4E3D-A8F5-AAEDA8C9D550}" type="datetime1">
               <a:rPr lang="zh-TW" altLang="en-US" smtClean="0"/>
               <a:pPr/>
-              <a:t>2014/9/11</a:t>
+              <a:t>2014/9/15</a:t>
             </a:fld>
             <a:endParaRPr lang="zh-CN" altLang="en-US"/>
           </a:p>
@@ -6296,7 +6288,7 @@
             <a:fld id="{C167E0BE-EAE3-45A7-A5A7-57157AC01174}" type="datetime1">
               <a:rPr lang="zh-TW" altLang="en-US" smtClean="0"/>
               <a:pPr/>
-              <a:t>2014/9/11</a:t>
+              <a:t>2014/9/15</a:t>
             </a:fld>
             <a:endParaRPr lang="zh-CN" altLang="en-US"/>
           </a:p>
@@ -6581,7 +6573,7 @@
             <a:fld id="{6AC3B814-8B0B-49DD-90D0-D679CAA248BF}" type="datetime1">
               <a:rPr lang="zh-TW" altLang="en-US" smtClean="0"/>
               <a:pPr/>
-              <a:t>2014/9/11</a:t>
+              <a:t>2014/9/15</a:t>
             </a:fld>
             <a:endParaRPr lang="zh-CN" altLang="en-US"/>
           </a:p>
@@ -7000,7 +6992,7 @@
             <a:fld id="{BF7ED2E8-9E3A-4757-81B5-4DB84D908ACD}" type="datetime1">
               <a:rPr lang="zh-TW" altLang="en-US" smtClean="0"/>
               <a:pPr/>
-              <a:t>2014/9/11</a:t>
+              <a:t>2014/9/15</a:t>
             </a:fld>
             <a:endParaRPr lang="zh-CN" altLang="en-US"/>
           </a:p>
@@ -7115,7 +7107,7 @@
             <a:fld id="{472DB839-8415-4D10-81B3-48A58C5324C2}" type="datetime1">
               <a:rPr lang="zh-TW" altLang="en-US" smtClean="0"/>
               <a:pPr/>
-              <a:t>2014/9/11</a:t>
+              <a:t>2014/9/15</a:t>
             </a:fld>
             <a:endParaRPr lang="zh-CN" altLang="en-US"/>
           </a:p>
@@ -7207,7 +7199,7 @@
             <a:fld id="{6144F512-14EF-46B4-9E70-9E1E0786683C}" type="datetime1">
               <a:rPr lang="zh-TW" altLang="en-US" smtClean="0"/>
               <a:pPr/>
-              <a:t>2014/9/11</a:t>
+              <a:t>2014/9/15</a:t>
             </a:fld>
             <a:endParaRPr lang="zh-CN" altLang="en-US"/>
           </a:p>
@@ -7481,7 +7473,7 @@
             <a:fld id="{B91D2291-1907-4432-B355-638067851FEC}" type="datetime1">
               <a:rPr lang="zh-TW" altLang="en-US" smtClean="0"/>
               <a:pPr/>
-              <a:t>2014/9/11</a:t>
+              <a:t>2014/9/15</a:t>
             </a:fld>
             <a:endParaRPr lang="zh-CN" altLang="en-US"/>
           </a:p>
@@ -7731,7 +7723,7 @@
             <a:fld id="{3CE2A9AE-EA9E-4495-BEFD-EBC4472D3C52}" type="datetime1">
               <a:rPr lang="zh-TW" altLang="en-US" smtClean="0"/>
               <a:pPr/>
-              <a:t>2014/9/11</a:t>
+              <a:t>2014/9/15</a:t>
             </a:fld>
             <a:endParaRPr lang="zh-CN" altLang="en-US"/>
           </a:p>
@@ -7941,7 +7933,7 @@
             <a:fld id="{8A63E226-BC2D-40EF-90E6-0476DBDDD628}" type="datetime1">
               <a:rPr lang="zh-TW" altLang="en-US" smtClean="0"/>
               <a:pPr/>
-              <a:t>2014/9/11</a:t>
+              <a:t>2014/9/15</a:t>
             </a:fld>
             <a:endParaRPr lang="zh-CN" altLang="en-US" dirty="0"/>
           </a:p>
@@ -8555,7 +8547,7 @@
             <a:fld id="{7D36EE62-A1CD-4859-A084-11A1BEE6A9C3}" type="datetime1">
               <a:rPr lang="zh-TW" altLang="en-US" smtClean="0"/>
               <a:pPr/>
-              <a:t>2014/9/12</a:t>
+              <a:t>2014/9/15</a:t>
             </a:fld>
             <a:endParaRPr lang="zh-CN" altLang="en-US"/>
           </a:p>
@@ -8634,7 +8626,7 @@
             <a:fld id="{BCDD0958-C144-4E3D-A8F5-AAEDA8C9D550}" type="datetime1">
               <a:rPr lang="zh-TW" altLang="en-US" smtClean="0"/>
               <a:pPr/>
-              <a:t>2014/9/12</a:t>
+              <a:t>2014/9/15</a:t>
             </a:fld>
             <a:endParaRPr lang="zh-CN" altLang="en-US"/>
           </a:p>
@@ -8743,7 +8735,7 @@
             <a:fld id="{BCDD0958-C144-4E3D-A8F5-AAEDA8C9D550}" type="datetime1">
               <a:rPr lang="zh-TW" altLang="en-US" smtClean="0"/>
               <a:pPr/>
-              <a:t>2014/9/12</a:t>
+              <a:t>2014/9/15</a:t>
             </a:fld>
             <a:endParaRPr lang="zh-CN" altLang="en-US"/>
           </a:p>
@@ -8796,11 +8788,7 @@
             </a:r>
             <a:r>
               <a:rPr lang="en-US" altLang="zh-CN" dirty="0" smtClean="0"/>
-              <a:t>Batch </a:t>
-            </a:r>
-            <a:r>
-              <a:rPr lang="en-US" altLang="zh-CN" dirty="0" smtClean="0"/>
-              <a:t>ID</a:t>
+              <a:t>Batch ID</a:t>
             </a:r>
             <a:endParaRPr lang="zh-CN" altLang="en-US" dirty="0"/>
           </a:p>
@@ -8902,7 +8890,7 @@
             <a:fld id="{BCDD0958-C144-4E3D-A8F5-AAEDA8C9D550}" type="datetime1">
               <a:rPr lang="zh-TW" altLang="en-US" smtClean="0"/>
               <a:pPr/>
-              <a:t>2014/9/12</a:t>
+              <a:t>2014/9/15</a:t>
             </a:fld>
             <a:endParaRPr lang="zh-CN" altLang="en-US"/>
           </a:p>
@@ -8956,11 +8944,7 @@
             </a:r>
             <a:r>
               <a:rPr lang="en-US" altLang="en-US" dirty="0" smtClean="0"/>
-              <a:t> Carton ID </a:t>
-            </a:r>
-            <a:r>
-              <a:rPr lang="en-US" altLang="en-US" dirty="0" smtClean="0"/>
-              <a:t>Maintain</a:t>
+              <a:t> Carton ID Maintain</a:t>
             </a:r>
             <a:br>
               <a:rPr lang="en-US" altLang="en-US" dirty="0" smtClean="0"/>
@@ -9023,7 +9007,7 @@
             <a:fld id="{BCDD0958-C144-4E3D-A8F5-AAEDA8C9D550}" type="datetime1">
               <a:rPr lang="zh-TW" altLang="en-US" smtClean="0"/>
               <a:pPr/>
-              <a:t>2014/9/12</a:t>
+              <a:t>2014/9/15</a:t>
             </a:fld>
             <a:endParaRPr lang="zh-CN" altLang="en-US"/>
           </a:p>
@@ -9073,15 +9057,7 @@
             <a:pPr lvl="0"/>
             <a:r>
               <a:rPr lang="en-US" altLang="en-US" dirty="0" smtClean="0"/>
-              <a:t>3. Print </a:t>
-            </a:r>
-            <a:r>
-              <a:rPr lang="en-US" altLang="en-US" dirty="0" smtClean="0"/>
-              <a:t>Carton </a:t>
-            </a:r>
-            <a:r>
-              <a:rPr lang="en-US" altLang="en-US" dirty="0" smtClean="0"/>
-              <a:t>Label</a:t>
+              <a:t>3. Print Carton Label</a:t>
             </a:r>
             <a:endParaRPr lang="zh-CN" altLang="en-US" dirty="0"/>
           </a:p>
@@ -9183,7 +9159,7 @@
             <a:fld id="{BCDD0958-C144-4E3D-A8F5-AAEDA8C9D550}" type="datetime1">
               <a:rPr lang="zh-TW" altLang="en-US" smtClean="0"/>
               <a:pPr/>
-              <a:t>2014/9/12</a:t>
+              <a:t>2014/9/15</a:t>
             </a:fld>
             <a:endParaRPr lang="zh-CN" altLang="en-US"/>
           </a:p>
@@ -9237,11 +9213,7 @@
             </a:r>
             <a:r>
               <a:rPr lang="en-US" altLang="en-US" dirty="0" smtClean="0"/>
-              <a:t> Scan Carton </a:t>
-            </a:r>
-            <a:r>
-              <a:rPr lang="en-US" altLang="en-US" dirty="0" smtClean="0"/>
-              <a:t>Label</a:t>
+              <a:t> Scan Carton Label</a:t>
             </a:r>
             <a:endParaRPr lang="zh-CN" altLang="en-US" dirty="0"/>
           </a:p>
@@ -9297,7 +9269,7 @@
             <a:fld id="{BCDD0958-C144-4E3D-A8F5-AAEDA8C9D550}" type="datetime1">
               <a:rPr lang="zh-TW" altLang="en-US" smtClean="0"/>
               <a:pPr/>
-              <a:t>2014/9/12</a:t>
+              <a:t>2014/9/15</a:t>
             </a:fld>
             <a:endParaRPr lang="zh-CN" altLang="en-US"/>
           </a:p>
@@ -9344,11 +9316,7 @@
           <a:p>
             <a:r>
               <a:rPr lang="it-IT" altLang="zh-CN" dirty="0" smtClean="0"/>
-              <a:t>4. 1 Scan Carton </a:t>
-            </a:r>
-            <a:r>
-              <a:rPr lang="it-IT" altLang="zh-CN" dirty="0" smtClean="0"/>
-              <a:t>Label Maintain</a:t>
+              <a:t>4. 1 Scan Carton Label Maintain</a:t>
             </a:r>
             <a:endParaRPr lang="zh-CN" altLang="en-US" dirty="0"/>
           </a:p>
@@ -9402,25 +9370,29 @@
           <a:chExt cx="0" cy="0"/>
         </a:xfrm>
       </p:grpSpPr>
-      <p:sp>
-        <p:nvSpPr>
-          <p:cNvPr id="2" name="内容占位符 1"/>
-          <p:cNvSpPr>
-            <a:spLocks noGrp="1"/>
-          </p:cNvSpPr>
+      <p:pic>
+        <p:nvPicPr>
+          <p:cNvPr id="6" name="内容占位符 5" descr="5. PI Reports.png"/>
+          <p:cNvPicPr>
+            <a:picLocks noGrp="1" noChangeAspect="1"/>
+          </p:cNvPicPr>
           <p:nvPr>
             <p:ph idx="1"/>
           </p:nvPr>
-        </p:nvSpPr>
-        <p:spPr/>
-        <p:txBody>
-          <a:bodyPr/>
-          <a:lstStyle/>
-          <a:p>
-            <a:endParaRPr lang="zh-CN" altLang="en-US" dirty="0"/>
-          </a:p>
-        </p:txBody>
-      </p:sp>
+        </p:nvPicPr>
+        <p:blipFill>
+          <a:blip r:embed="rId2"/>
+          <a:stretch>
+            <a:fillRect/>
+          </a:stretch>
+        </p:blipFill>
+        <p:spPr>
+          <a:xfrm>
+            <a:off x="457200" y="1863720"/>
+            <a:ext cx="7859713" cy="3998923"/>
+          </a:xfrm>
+        </p:spPr>
+      </p:pic>
       <p:sp>
         <p:nvSpPr>
           <p:cNvPr id="3" name="日期占位符 2"/>
@@ -9439,7 +9411,7 @@
             <a:fld id="{BCDD0958-C144-4E3D-A8F5-AAEDA8C9D550}" type="datetime1">
               <a:rPr lang="zh-TW" altLang="en-US" smtClean="0"/>
               <a:pPr/>
-              <a:t>2014/9/12</a:t>
+              <a:t>2014/9/15</a:t>
             </a:fld>
             <a:endParaRPr lang="zh-CN" altLang="en-US"/>
           </a:p>
@@ -9493,11 +9465,7 @@
             </a:r>
             <a:r>
               <a:rPr lang="en-US" altLang="en-US" dirty="0" smtClean="0"/>
-              <a:t> PI </a:t>
-            </a:r>
-            <a:r>
-              <a:rPr lang="en-US" altLang="en-US" dirty="0" smtClean="0"/>
-              <a:t>Reports</a:t>
+              <a:t> PI Reports</a:t>
             </a:r>
             <a:endParaRPr lang="zh-CN" altLang="en-US" dirty="0"/>
           </a:p>
@@ -9590,7 +9558,7 @@
             <a:fld id="{BCDD0958-C144-4E3D-A8F5-AAEDA8C9D550}" type="datetime1">
               <a:rPr lang="zh-TW" altLang="en-US" smtClean="0"/>
               <a:pPr/>
-              <a:t>2014/9/12</a:t>
+              <a:t>2014/9/15</a:t>
             </a:fld>
             <a:endParaRPr lang="zh-CN" altLang="en-US"/>
           </a:p>
@@ -9690,7 +9658,7 @@
             <a:fld id="{BCDD0958-C144-4E3D-A8F5-AAEDA8C9D550}" type="datetime1">
               <a:rPr lang="zh-TW" altLang="en-US" smtClean="0"/>
               <a:pPr/>
-              <a:t>2014/9/12</a:t>
+              <a:t>2014/9/15</a:t>
             </a:fld>
             <a:endParaRPr lang="zh-CN" altLang="en-US"/>
           </a:p>
@@ -9816,7 +9784,7 @@
             <a:fld id="{BCDD0958-C144-4E3D-A8F5-AAEDA8C9D550}" type="datetime1">
               <a:rPr lang="zh-TW" altLang="en-US" smtClean="0"/>
               <a:pPr/>
-              <a:t>2014/9/12</a:t>
+              <a:t>2014/9/15</a:t>
             </a:fld>
             <a:endParaRPr lang="zh-CN" altLang="en-US"/>
           </a:p>
@@ -9865,26 +9833,14 @@
           <a:p>
             <a:r>
               <a:rPr lang="en-US" altLang="zh-CN" dirty="0" smtClean="0"/>
-              <a:t>Log </a:t>
-            </a:r>
-            <a:r>
-              <a:rPr lang="en-US" altLang="zh-CN" dirty="0" smtClean="0"/>
-              <a:t>On</a:t>
+              <a:t>Log On</a:t>
             </a:r>
             <a:br>
               <a:rPr lang="en-US" altLang="zh-CN" dirty="0" smtClean="0"/>
             </a:br>
             <a:r>
               <a:rPr lang="en-US" altLang="zh-CN" sz="1800" dirty="0" smtClean="0"/>
-              <a:t>(</a:t>
-            </a:r>
-            <a:r>
-              <a:rPr lang="en-US" altLang="zh-CN" sz="1800" dirty="0" smtClean="0"/>
-              <a:t>IDR </a:t>
-            </a:r>
-            <a:r>
-              <a:rPr lang="en-US" altLang="zh-CN" sz="1800" dirty="0" smtClean="0"/>
-              <a:t>System.exe)</a:t>
+              <a:t>(IDR System.exe)</a:t>
             </a:r>
             <a:endParaRPr lang="zh-CN" altLang="en-US" sz="1800" dirty="0"/>
           </a:p>
@@ -9940,7 +9896,7 @@
             <a:fld id="{BCDD0958-C144-4E3D-A8F5-AAEDA8C9D550}" type="datetime1">
               <a:rPr lang="zh-TW" altLang="en-US" smtClean="0"/>
               <a:pPr/>
-              <a:t>2014/9/12</a:t>
+              <a:t>2014/9/15</a:t>
             </a:fld>
             <a:endParaRPr lang="zh-CN" altLang="en-US"/>
           </a:p>
@@ -10086,7 +10042,7 @@
             <a:fld id="{BCDD0958-C144-4E3D-A8F5-AAEDA8C9D550}" type="datetime1">
               <a:rPr lang="zh-TW" altLang="en-US" smtClean="0"/>
               <a:pPr/>
-              <a:t>2014/9/12</a:t>
+              <a:t>2014/9/15</a:t>
             </a:fld>
             <a:endParaRPr lang="zh-CN" altLang="en-US"/>
           </a:p>
@@ -10215,7 +10171,7 @@
             <a:fld id="{BCDD0958-C144-4E3D-A8F5-AAEDA8C9D550}" type="datetime1">
               <a:rPr lang="zh-TW" altLang="en-US" smtClean="0"/>
               <a:pPr/>
-              <a:t>2014/9/12</a:t>
+              <a:t>2014/9/15</a:t>
             </a:fld>
             <a:endParaRPr lang="zh-CN" altLang="en-US"/>
           </a:p>
@@ -10344,7 +10300,7 @@
             <a:fld id="{BCDD0958-C144-4E3D-A8F5-AAEDA8C9D550}" type="datetime1">
               <a:rPr lang="zh-TW" altLang="en-US" smtClean="0"/>
               <a:pPr/>
-              <a:t>2014/9/12</a:t>
+              <a:t>2014/9/15</a:t>
             </a:fld>
             <a:endParaRPr lang="zh-CN" altLang="en-US"/>
           </a:p>
@@ -10473,7 +10429,7 @@
             <a:fld id="{BCDD0958-C144-4E3D-A8F5-AAEDA8C9D550}" type="datetime1">
               <a:rPr lang="zh-TW" altLang="en-US" smtClean="0"/>
               <a:pPr/>
-              <a:t>2014/9/12</a:t>
+              <a:t>2014/9/15</a:t>
             </a:fld>
             <a:endParaRPr lang="zh-CN" altLang="en-US"/>
           </a:p>
@@ -10523,11 +10479,7 @@
             <a:pPr lvl="0"/>
             <a:r>
               <a:rPr lang="en-US" altLang="en-US" dirty="0" smtClean="0"/>
-              <a:t>1.2</a:t>
-            </a:r>
-            <a:r>
-              <a:rPr lang="en-US" altLang="en-US" dirty="0" smtClean="0"/>
-              <a:t>. Add New(Edit Batch ID)</a:t>
+              <a:t>1.2. Add New(Edit Batch ID)</a:t>
             </a:r>
             <a:endParaRPr lang="zh-CN" altLang="en-US" dirty="0"/>
           </a:p>
@@ -10583,7 +10535,7 @@
             <a:fld id="{BCDD0958-C144-4E3D-A8F5-AAEDA8C9D550}" type="datetime1">
               <a:rPr lang="zh-TW" altLang="en-US" smtClean="0"/>
               <a:pPr/>
-              <a:t>2014/9/12</a:t>
+              <a:t>2014/9/15</a:t>
             </a:fld>
             <a:endParaRPr lang="zh-CN" altLang="en-US"/>
           </a:p>
@@ -10636,11 +10588,7 @@
             </a:r>
             <a:r>
               <a:rPr lang="en-US" altLang="zh-CN" dirty="0" smtClean="0"/>
-              <a:t>Add </a:t>
-            </a:r>
-            <a:r>
-              <a:rPr lang="en-US" altLang="zh-CN" dirty="0" smtClean="0"/>
-              <a:t>a New </a:t>
+              <a:t>Add a New </a:t>
             </a:r>
             <a:r>
               <a:rPr lang="en-US" altLang="zh-CN" dirty="0" err="1" smtClean="0"/>
